--- a/Projects/1. Predicting Credit Card Spend & Identifying Key Drivers/Submission.pptx
+++ b/Projects/1. Predicting Credit Card Spend & Identifying Key Drivers/Submission.pptx
@@ -8,6 +8,13 @@
     <p:sldId id="257" r:id="rId2"/>
     <p:sldId id="258" r:id="rId3"/>
     <p:sldId id="259" r:id="rId4"/>
+    <p:sldId id="262" r:id="rId5"/>
+    <p:sldId id="260" r:id="rId6"/>
+    <p:sldId id="261" r:id="rId7"/>
+    <p:sldId id="263" r:id="rId8"/>
+    <p:sldId id="264" r:id="rId9"/>
+    <p:sldId id="265" r:id="rId10"/>
+    <p:sldId id="266" r:id="rId11"/>
   </p:sldIdLst>
   <p:sldSz cx="12192000" cy="6858000"/>
   <p:notesSz cx="6858000" cy="9144000"/>
@@ -106,6 +113,11 @@
       </a:defRPr>
     </a:lvl9pPr>
   </p:defaultTextStyle>
+  <p:extLst>
+    <p:ext uri="{EFAFB233-063F-42B5-8137-9DF3F51BA10A}">
+      <p15:sldGuideLst xmlns:p15="http://schemas.microsoft.com/office/powerpoint/2012/main"/>
+    </p:ext>
+  </p:extLst>
 </p:presentation>
 </file>
 
@@ -240,7 +252,7 @@
           <a:p>
             <a:fld id="{27C71168-DA7B-44B0-9520-5312A0D84B07}" type="datetimeFigureOut">
               <a:rPr lang="en-IN" smtClean="0"/>
-              <a:t>28-08-2019</a:t>
+              <a:t>31-08-2019</a:t>
             </a:fld>
             <a:endParaRPr lang="en-IN"/>
           </a:p>
@@ -410,7 +422,7 @@
           <a:p>
             <a:fld id="{27C71168-DA7B-44B0-9520-5312A0D84B07}" type="datetimeFigureOut">
               <a:rPr lang="en-IN" smtClean="0"/>
-              <a:t>28-08-2019</a:t>
+              <a:t>31-08-2019</a:t>
             </a:fld>
             <a:endParaRPr lang="en-IN"/>
           </a:p>
@@ -590,7 +602,7 @@
           <a:p>
             <a:fld id="{27C71168-DA7B-44B0-9520-5312A0D84B07}" type="datetimeFigureOut">
               <a:rPr lang="en-IN" smtClean="0"/>
-              <a:t>28-08-2019</a:t>
+              <a:t>31-08-2019</a:t>
             </a:fld>
             <a:endParaRPr lang="en-IN"/>
           </a:p>
@@ -760,7 +772,7 @@
           <a:p>
             <a:fld id="{27C71168-DA7B-44B0-9520-5312A0D84B07}" type="datetimeFigureOut">
               <a:rPr lang="en-IN" smtClean="0"/>
-              <a:t>28-08-2019</a:t>
+              <a:t>31-08-2019</a:t>
             </a:fld>
             <a:endParaRPr lang="en-IN"/>
           </a:p>
@@ -1006,7 +1018,7 @@
           <a:p>
             <a:fld id="{27C71168-DA7B-44B0-9520-5312A0D84B07}" type="datetimeFigureOut">
               <a:rPr lang="en-IN" smtClean="0"/>
-              <a:t>28-08-2019</a:t>
+              <a:t>31-08-2019</a:t>
             </a:fld>
             <a:endParaRPr lang="en-IN"/>
           </a:p>
@@ -1238,7 +1250,7 @@
           <a:p>
             <a:fld id="{27C71168-DA7B-44B0-9520-5312A0D84B07}" type="datetimeFigureOut">
               <a:rPr lang="en-IN" smtClean="0"/>
-              <a:t>28-08-2019</a:t>
+              <a:t>31-08-2019</a:t>
             </a:fld>
             <a:endParaRPr lang="en-IN"/>
           </a:p>
@@ -1605,7 +1617,7 @@
           <a:p>
             <a:fld id="{27C71168-DA7B-44B0-9520-5312A0D84B07}" type="datetimeFigureOut">
               <a:rPr lang="en-IN" smtClean="0"/>
-              <a:t>28-08-2019</a:t>
+              <a:t>31-08-2019</a:t>
             </a:fld>
             <a:endParaRPr lang="en-IN"/>
           </a:p>
@@ -1723,7 +1735,7 @@
           <a:p>
             <a:fld id="{27C71168-DA7B-44B0-9520-5312A0D84B07}" type="datetimeFigureOut">
               <a:rPr lang="en-IN" smtClean="0"/>
-              <a:t>28-08-2019</a:t>
+              <a:t>31-08-2019</a:t>
             </a:fld>
             <a:endParaRPr lang="en-IN"/>
           </a:p>
@@ -1818,7 +1830,7 @@
           <a:p>
             <a:fld id="{27C71168-DA7B-44B0-9520-5312A0D84B07}" type="datetimeFigureOut">
               <a:rPr lang="en-IN" smtClean="0"/>
-              <a:t>28-08-2019</a:t>
+              <a:t>31-08-2019</a:t>
             </a:fld>
             <a:endParaRPr lang="en-IN"/>
           </a:p>
@@ -2095,7 +2107,7 @@
           <a:p>
             <a:fld id="{27C71168-DA7B-44B0-9520-5312A0D84B07}" type="datetimeFigureOut">
               <a:rPr lang="en-IN" smtClean="0"/>
-              <a:t>28-08-2019</a:t>
+              <a:t>31-08-2019</a:t>
             </a:fld>
             <a:endParaRPr lang="en-IN"/>
           </a:p>
@@ -2348,7 +2360,7 @@
           <a:p>
             <a:fld id="{27C71168-DA7B-44B0-9520-5312A0D84B07}" type="datetimeFigureOut">
               <a:rPr lang="en-IN" smtClean="0"/>
-              <a:t>28-08-2019</a:t>
+              <a:t>31-08-2019</a:t>
             </a:fld>
             <a:endParaRPr lang="en-IN"/>
           </a:p>
@@ -2561,7 +2573,7 @@
           <a:p>
             <a:fld id="{27C71168-DA7B-44B0-9520-5312A0D84B07}" type="datetimeFigureOut">
               <a:rPr lang="en-IN" smtClean="0"/>
-              <a:t>28-08-2019</a:t>
+              <a:t>31-08-2019</a:t>
             </a:fld>
             <a:endParaRPr lang="en-IN"/>
           </a:p>
@@ -3015,6 +3027,66 @@
 </p:sld>
 </file>
 
+<file path=ppt/slides/slide10.xml><?xml version="1.0" encoding="utf-8"?>
+<p:sld xmlns:a="http://schemas.openxmlformats.org/drawingml/2006/main" xmlns:r="http://schemas.openxmlformats.org/officeDocument/2006/relationships" xmlns:p="http://schemas.openxmlformats.org/presentationml/2006/main">
+  <p:cSld>
+    <p:spTree>
+      <p:nvGrpSpPr>
+        <p:cNvPr id="1" name=""/>
+        <p:cNvGrpSpPr/>
+        <p:nvPr/>
+      </p:nvGrpSpPr>
+      <p:grpSpPr>
+        <a:xfrm>
+          <a:off x="0" y="0"/>
+          <a:ext cx="0" cy="0"/>
+          <a:chOff x="0" y="0"/>
+          <a:chExt cx="0" cy="0"/>
+        </a:xfrm>
+      </p:grpSpPr>
+      <p:sp>
+        <p:nvSpPr>
+          <p:cNvPr id="2" name="TextBox 1"/>
+          <p:cNvSpPr txBox="1"/>
+          <p:nvPr/>
+        </p:nvSpPr>
+        <p:spPr>
+          <a:xfrm>
+            <a:off x="1439501" y="814812"/>
+            <a:ext cx="1892121" cy="369332"/>
+          </a:xfrm>
+          <a:prstGeom prst="rect">
+            <a:avLst/>
+          </a:prstGeom>
+          <a:noFill/>
+        </p:spPr>
+        <p:txBody>
+          <a:bodyPr wrap="none" rtlCol="0">
+            <a:spAutoFit/>
+          </a:bodyPr>
+          <a:lstStyle/>
+          <a:p>
+            <a:r>
+              <a:rPr lang="en-IN" smtClean="0"/>
+              <a:t>Residual Analysis: </a:t>
+            </a:r>
+            <a:endParaRPr lang="en-IN"/>
+          </a:p>
+        </p:txBody>
+      </p:sp>
+    </p:spTree>
+    <p:extLst>
+      <p:ext uri="{BB962C8B-B14F-4D97-AF65-F5344CB8AC3E}">
+        <p14:creationId xmlns:p14="http://schemas.microsoft.com/office/powerpoint/2010/main" val="3779055411"/>
+      </p:ext>
+    </p:extLst>
+  </p:cSld>
+  <p:clrMapOvr>
+    <a:masterClrMapping/>
+  </p:clrMapOvr>
+</p:sld>
+</file>
+
 <file path=ppt/slides/slide2.xml><?xml version="1.0" encoding="utf-8"?>
 <p:sld xmlns:a="http://schemas.openxmlformats.org/drawingml/2006/main" xmlns:r="http://schemas.openxmlformats.org/officeDocument/2006/relationships" xmlns:p="http://schemas.openxmlformats.org/presentationml/2006/main">
   <p:cSld>
@@ -3165,12 +3237,8 @@
               <a:buAutoNum type="arabicPeriod"/>
             </a:pPr>
             <a:r>
-              <a:rPr lang="en-IN" dirty="0" err="1" smtClean="0"/>
-              <a:t>XGBoost</a:t>
-            </a:r>
-            <a:r>
-              <a:rPr lang="en-IN" dirty="0" smtClean="0"/>
-              <a:t> </a:t>
+              <a:rPr lang="en-IN" dirty="0" smtClean="0"/>
+              <a:t>XGBoost </a:t>
             </a:r>
             <a:r>
               <a:rPr lang="en-IN" dirty="0" err="1" smtClean="0"/>
@@ -3224,10 +3292,1859 @@
           <a:chExt cx="0" cy="0"/>
         </a:xfrm>
       </p:grpSpPr>
+      <p:sp>
+        <p:nvSpPr>
+          <p:cNvPr id="2" name="TextBox 1"/>
+          <p:cNvSpPr txBox="1"/>
+          <p:nvPr/>
+        </p:nvSpPr>
+        <p:spPr>
+          <a:xfrm>
+            <a:off x="851024" y="506994"/>
+            <a:ext cx="10990907" cy="5724644"/>
+          </a:xfrm>
+          <a:prstGeom prst="rect">
+            <a:avLst/>
+          </a:prstGeom>
+          <a:noFill/>
+        </p:spPr>
+        <p:txBody>
+          <a:bodyPr wrap="square" rtlCol="0">
+            <a:spAutoFit/>
+          </a:bodyPr>
+          <a:lstStyle/>
+          <a:p>
+            <a:r>
+              <a:rPr lang="en-IN" sz="2400" b="1" u="sng" dirty="0" smtClean="0"/>
+              <a:t>Data Exploratory Analysis</a:t>
+            </a:r>
+          </a:p>
+          <a:p>
+            <a:endParaRPr lang="en-IN" dirty="0"/>
+          </a:p>
+          <a:p>
+            <a:r>
+              <a:rPr lang="en-IN" dirty="0" smtClean="0"/>
+              <a:t>There were insignificant variables and duplicate variables. So, dropped the following variables:</a:t>
+            </a:r>
+          </a:p>
+          <a:p>
+            <a:pPr marL="400050" indent="-400050">
+              <a:buAutoNum type="romanLcPeriod"/>
+            </a:pPr>
+            <a:r>
+              <a:rPr lang="en-IN" dirty="0" smtClean="0"/>
+              <a:t>Categorical </a:t>
+            </a:r>
+            <a:r>
+              <a:rPr lang="en-IN" dirty="0"/>
+              <a:t>variable for numerical </a:t>
+            </a:r>
+            <a:r>
+              <a:rPr lang="en-IN" dirty="0" smtClean="0"/>
+              <a:t>feature.</a:t>
+            </a:r>
+          </a:p>
+          <a:p>
+            <a:pPr marL="400050" indent="-400050">
+              <a:buAutoNum type="romanLcPeriod"/>
+            </a:pPr>
+            <a:r>
+              <a:rPr lang="en-IN" dirty="0"/>
+              <a:t>Log of a </a:t>
+            </a:r>
+            <a:r>
+              <a:rPr lang="en-IN" dirty="0" smtClean="0"/>
+              <a:t>continuous feature.</a:t>
+            </a:r>
+          </a:p>
+          <a:p>
+            <a:pPr marL="400050" indent="-400050">
+              <a:buAutoNum type="romanLcPeriod"/>
+            </a:pPr>
+            <a:r>
+              <a:rPr lang="en-IN" dirty="0" smtClean="0"/>
+              <a:t>Strong </a:t>
+            </a:r>
+            <a:r>
+              <a:rPr lang="en-IN" dirty="0"/>
+              <a:t>correlation between these numerical </a:t>
+            </a:r>
+            <a:r>
+              <a:rPr lang="en-IN" dirty="0" smtClean="0"/>
+              <a:t>variables.</a:t>
+            </a:r>
+          </a:p>
+          <a:p>
+            <a:pPr marL="400050" indent="-400050">
+              <a:buAutoNum type="romanLcPeriod"/>
+            </a:pPr>
+            <a:r>
+              <a:rPr lang="en-IN" dirty="0" smtClean="0"/>
+              <a:t>Doesn't </a:t>
+            </a:r>
+            <a:r>
+              <a:rPr lang="en-IN" dirty="0"/>
+              <a:t>help in building the model.</a:t>
+            </a:r>
+            <a:endParaRPr lang="en-IN" dirty="0" smtClean="0"/>
+          </a:p>
+          <a:p>
+            <a:pPr marL="342900" indent="-342900">
+              <a:buAutoNum type="arabicPeriod"/>
+            </a:pPr>
+            <a:endParaRPr lang="en-IN" dirty="0"/>
+          </a:p>
+          <a:p>
+            <a:pPr marL="342900" indent="-342900">
+              <a:buAutoNum type="arabicPeriod"/>
+            </a:pPr>
+            <a:endParaRPr lang="en-IN" dirty="0" smtClean="0"/>
+          </a:p>
+          <a:p>
+            <a:pPr marL="342900" indent="-342900">
+              <a:buAutoNum type="arabicPeriod"/>
+            </a:pPr>
+            <a:endParaRPr lang="en-IN" dirty="0"/>
+          </a:p>
+          <a:p>
+            <a:pPr marL="342900" indent="-342900">
+              <a:buAutoNum type="arabicPeriod"/>
+            </a:pPr>
+            <a:endParaRPr lang="en-IN" dirty="0" smtClean="0"/>
+          </a:p>
+          <a:p>
+            <a:pPr marL="342900" indent="-342900">
+              <a:buAutoNum type="arabicPeriod"/>
+            </a:pPr>
+            <a:endParaRPr lang="en-IN" dirty="0"/>
+          </a:p>
+          <a:p>
+            <a:pPr marL="342900" indent="-342900">
+              <a:buAutoNum type="arabicPeriod"/>
+            </a:pPr>
+            <a:endParaRPr lang="en-IN" dirty="0" smtClean="0"/>
+          </a:p>
+          <a:p>
+            <a:pPr marL="342900" indent="-342900">
+              <a:buAutoNum type="arabicPeriod"/>
+            </a:pPr>
+            <a:endParaRPr lang="en-IN" dirty="0"/>
+          </a:p>
+          <a:p>
+            <a:pPr marL="342900" indent="-342900">
+              <a:buAutoNum type="arabicPeriod"/>
+            </a:pPr>
+            <a:endParaRPr lang="en-IN" dirty="0" smtClean="0"/>
+          </a:p>
+          <a:p>
+            <a:pPr marL="342900" indent="-342900">
+              <a:buAutoNum type="arabicPeriod"/>
+            </a:pPr>
+            <a:endParaRPr lang="en-IN" dirty="0"/>
+          </a:p>
+          <a:p>
+            <a:pPr marL="342900" indent="-342900">
+              <a:buAutoNum type="arabicPeriod"/>
+            </a:pPr>
+            <a:endParaRPr lang="en-IN" dirty="0" smtClean="0"/>
+          </a:p>
+          <a:p>
+            <a:endParaRPr lang="en-IN" dirty="0" smtClean="0"/>
+          </a:p>
+          <a:p>
+            <a:pPr marL="342900" indent="-342900">
+              <a:buAutoNum type="arabicPeriod"/>
+            </a:pPr>
+            <a:endParaRPr lang="en-IN" dirty="0"/>
+          </a:p>
+          <a:p>
+            <a:r>
+              <a:rPr lang="en-IN" dirty="0"/>
+              <a:t>    </a:t>
+            </a:r>
+            <a:r>
+              <a:rPr lang="en-IN" dirty="0" smtClean="0"/>
+              <a:t>          (</a:t>
+            </a:r>
+            <a:r>
+              <a:rPr lang="en-IN" dirty="0" err="1" smtClean="0"/>
+              <a:t>i</a:t>
+            </a:r>
+            <a:r>
+              <a:rPr lang="en-IN" dirty="0" smtClean="0"/>
+              <a:t>)                                                             (ii)                                                         (iii)                               (iv)</a:t>
+            </a:r>
+            <a:endParaRPr lang="en-IN" dirty="0"/>
+          </a:p>
+        </p:txBody>
+      </p:sp>
+      <p:sp>
+        <p:nvSpPr>
+          <p:cNvPr id="3" name="Rectangle 2"/>
+          <p:cNvSpPr/>
+          <p:nvPr/>
+        </p:nvSpPr>
+        <p:spPr>
+          <a:xfrm>
+            <a:off x="851024" y="2996697"/>
+            <a:ext cx="1973656" cy="2860895"/>
+          </a:xfrm>
+          <a:prstGeom prst="rect">
+            <a:avLst/>
+          </a:prstGeom>
+        </p:spPr>
+        <p:style>
+          <a:lnRef idx="2">
+            <a:schemeClr val="dk1"/>
+          </a:lnRef>
+          <a:fillRef idx="1">
+            <a:schemeClr val="lt1"/>
+          </a:fillRef>
+          <a:effectRef idx="0">
+            <a:schemeClr val="dk1"/>
+          </a:effectRef>
+          <a:fontRef idx="minor">
+            <a:schemeClr val="dk1"/>
+          </a:fontRef>
+        </p:style>
+        <p:txBody>
+          <a:bodyPr rtlCol="0" anchor="ctr"/>
+          <a:lstStyle/>
+          <a:p>
+            <a:r>
+              <a:rPr lang="en-IN" dirty="0" smtClean="0"/>
+              <a:t>    </a:t>
+            </a:r>
+            <a:r>
+              <a:rPr lang="en-IN" dirty="0" err="1" smtClean="0"/>
+              <a:t>agecat</a:t>
+            </a:r>
+            <a:endParaRPr lang="en-IN" dirty="0"/>
+          </a:p>
+          <a:p>
+            <a:r>
+              <a:rPr lang="en-IN" dirty="0"/>
+              <a:t>    </a:t>
+            </a:r>
+            <a:r>
+              <a:rPr lang="en-IN" dirty="0" err="1"/>
+              <a:t>edcat</a:t>
+            </a:r>
+            <a:endParaRPr lang="en-IN" dirty="0"/>
+          </a:p>
+          <a:p>
+            <a:r>
+              <a:rPr lang="en-IN" dirty="0"/>
+              <a:t>    </a:t>
+            </a:r>
+            <a:r>
+              <a:rPr lang="en-IN" dirty="0" err="1"/>
+              <a:t>employcat</a:t>
+            </a:r>
+            <a:endParaRPr lang="en-IN" dirty="0"/>
+          </a:p>
+          <a:p>
+            <a:r>
+              <a:rPr lang="en-IN" dirty="0"/>
+              <a:t>    </a:t>
+            </a:r>
+            <a:r>
+              <a:rPr lang="en-IN" dirty="0" err="1"/>
+              <a:t>spousedcat</a:t>
+            </a:r>
+            <a:endParaRPr lang="en-IN" dirty="0"/>
+          </a:p>
+          <a:p>
+            <a:r>
+              <a:rPr lang="en-IN" dirty="0"/>
+              <a:t>    </a:t>
+            </a:r>
+            <a:r>
+              <a:rPr lang="en-IN" dirty="0" err="1"/>
+              <a:t>inccat</a:t>
+            </a:r>
+            <a:endParaRPr lang="en-IN" dirty="0"/>
+          </a:p>
+          <a:p>
+            <a:r>
+              <a:rPr lang="en-IN" dirty="0"/>
+              <a:t>    </a:t>
+            </a:r>
+            <a:r>
+              <a:rPr lang="en-IN" dirty="0" err="1"/>
+              <a:t>addresscat</a:t>
+            </a:r>
+            <a:endParaRPr lang="en-IN" dirty="0"/>
+          </a:p>
+          <a:p>
+            <a:r>
+              <a:rPr lang="en-IN" dirty="0"/>
+              <a:t>    </a:t>
+            </a:r>
+            <a:r>
+              <a:rPr lang="en-IN" dirty="0" err="1"/>
+              <a:t>cardtenurecat</a:t>
+            </a:r>
+            <a:endParaRPr lang="en-IN" dirty="0"/>
+          </a:p>
+          <a:p>
+            <a:r>
+              <a:rPr lang="en-IN" dirty="0"/>
+              <a:t>    card2tenurecat</a:t>
+            </a:r>
+          </a:p>
+        </p:txBody>
+      </p:sp>
+      <p:sp>
+        <p:nvSpPr>
+          <p:cNvPr id="4" name="Rectangle 3"/>
+          <p:cNvSpPr/>
+          <p:nvPr/>
+        </p:nvSpPr>
+        <p:spPr>
+          <a:xfrm>
+            <a:off x="3232086" y="2996697"/>
+            <a:ext cx="3892991" cy="2860895"/>
+          </a:xfrm>
+          <a:prstGeom prst="rect">
+            <a:avLst/>
+          </a:prstGeom>
+        </p:spPr>
+        <p:style>
+          <a:lnRef idx="2">
+            <a:schemeClr val="dk1"/>
+          </a:lnRef>
+          <a:fillRef idx="1">
+            <a:schemeClr val="lt1"/>
+          </a:fillRef>
+          <a:effectRef idx="0">
+            <a:schemeClr val="dk1"/>
+          </a:effectRef>
+          <a:fontRef idx="minor">
+            <a:schemeClr val="dk1"/>
+          </a:fontRef>
+        </p:style>
+        <p:txBody>
+          <a:bodyPr rtlCol="0" anchor="ctr"/>
+          <a:lstStyle/>
+          <a:p>
+            <a:pPr algn="ctr"/>
+            <a:endParaRPr lang="en-IN" dirty="0" smtClean="0"/>
+          </a:p>
+          <a:p>
+            <a:pPr algn="ctr"/>
+            <a:endParaRPr lang="en-IN" dirty="0" smtClean="0"/>
+          </a:p>
+          <a:p>
+            <a:pPr algn="ctr"/>
+            <a:endParaRPr lang="en-IN" dirty="0" smtClean="0"/>
+          </a:p>
+          <a:p>
+            <a:pPr algn="ctr"/>
+            <a:endParaRPr lang="en-IN" dirty="0" smtClean="0"/>
+          </a:p>
+          <a:p>
+            <a:pPr algn="ctr"/>
+            <a:r>
+              <a:rPr lang="en-IN" dirty="0" smtClean="0"/>
+              <a:t> </a:t>
+            </a:r>
+            <a:endParaRPr lang="en-IN" dirty="0"/>
+          </a:p>
+        </p:txBody>
+      </p:sp>
+      <p:sp>
+        <p:nvSpPr>
+          <p:cNvPr id="5" name="TextBox 4"/>
+          <p:cNvSpPr txBox="1"/>
+          <p:nvPr/>
+        </p:nvSpPr>
+        <p:spPr>
+          <a:xfrm>
+            <a:off x="3364314" y="3369316"/>
+            <a:ext cx="1593410" cy="2031325"/>
+          </a:xfrm>
+          <a:prstGeom prst="rect">
+            <a:avLst/>
+          </a:prstGeom>
+          <a:noFill/>
+        </p:spPr>
+        <p:txBody>
+          <a:bodyPr wrap="square" rtlCol="0">
+            <a:spAutoFit/>
+          </a:bodyPr>
+          <a:lstStyle/>
+          <a:p>
+            <a:pPr algn="just"/>
+            <a:r>
+              <a:rPr lang="en-IN" dirty="0" smtClean="0"/>
+              <a:t>    </a:t>
+            </a:r>
+            <a:r>
+              <a:rPr lang="en-IN" dirty="0" err="1" smtClean="0"/>
+              <a:t>lninc</a:t>
+            </a:r>
+            <a:endParaRPr lang="en-IN" dirty="0"/>
+          </a:p>
+          <a:p>
+            <a:pPr algn="just"/>
+            <a:r>
+              <a:rPr lang="en-IN" dirty="0"/>
+              <a:t>    </a:t>
+            </a:r>
+            <a:r>
+              <a:rPr lang="en-IN" dirty="0" err="1"/>
+              <a:t>lncreddebt</a:t>
+            </a:r>
+            <a:endParaRPr lang="en-IN" dirty="0"/>
+          </a:p>
+          <a:p>
+            <a:pPr algn="just"/>
+            <a:r>
+              <a:rPr lang="en-IN" dirty="0"/>
+              <a:t>    </a:t>
+            </a:r>
+            <a:r>
+              <a:rPr lang="en-IN" dirty="0" err="1"/>
+              <a:t>lnothdebt</a:t>
+            </a:r>
+            <a:endParaRPr lang="en-IN" dirty="0"/>
+          </a:p>
+          <a:p>
+            <a:pPr algn="just"/>
+            <a:r>
+              <a:rPr lang="en-IN" dirty="0"/>
+              <a:t>    </a:t>
+            </a:r>
+            <a:r>
+              <a:rPr lang="en-IN" dirty="0" err="1"/>
+              <a:t>lnlongmon</a:t>
+            </a:r>
+            <a:r>
+              <a:rPr lang="en-IN" dirty="0"/>
+              <a:t>  </a:t>
+            </a:r>
+          </a:p>
+          <a:p>
+            <a:pPr algn="just"/>
+            <a:r>
+              <a:rPr lang="en-IN" dirty="0"/>
+              <a:t>    </a:t>
+            </a:r>
+            <a:r>
+              <a:rPr lang="en-IN" dirty="0" err="1"/>
+              <a:t>lnlongten</a:t>
+            </a:r>
+            <a:endParaRPr lang="en-IN" dirty="0"/>
+          </a:p>
+          <a:p>
+            <a:pPr algn="just"/>
+            <a:r>
+              <a:rPr lang="en-IN" dirty="0"/>
+              <a:t>    </a:t>
+            </a:r>
+            <a:r>
+              <a:rPr lang="en-IN" dirty="0" err="1"/>
+              <a:t>lntollmon</a:t>
+            </a:r>
+            <a:endParaRPr lang="en-IN" dirty="0"/>
+          </a:p>
+          <a:p>
+            <a:pPr algn="just"/>
+            <a:r>
+              <a:rPr lang="en-IN" dirty="0" smtClean="0"/>
+              <a:t>    </a:t>
+            </a:r>
+            <a:r>
+              <a:rPr lang="en-IN" dirty="0" err="1" smtClean="0"/>
+              <a:t>lnwireten</a:t>
+            </a:r>
+            <a:r>
+              <a:rPr lang="en-IN" dirty="0" smtClean="0"/>
+              <a:t>    </a:t>
+            </a:r>
+            <a:endParaRPr lang="en-IN" dirty="0"/>
+          </a:p>
+        </p:txBody>
+      </p:sp>
+      <p:sp>
+        <p:nvSpPr>
+          <p:cNvPr id="6" name="TextBox 5"/>
+          <p:cNvSpPr txBox="1"/>
+          <p:nvPr/>
+        </p:nvSpPr>
+        <p:spPr>
+          <a:xfrm>
+            <a:off x="5223848" y="3369315"/>
+            <a:ext cx="1532792" cy="2031325"/>
+          </a:xfrm>
+          <a:prstGeom prst="rect">
+            <a:avLst/>
+          </a:prstGeom>
+          <a:noFill/>
+        </p:spPr>
+        <p:txBody>
+          <a:bodyPr wrap="none" rtlCol="0">
+            <a:spAutoFit/>
+          </a:bodyPr>
+          <a:lstStyle/>
+          <a:p>
+            <a:pPr algn="just"/>
+            <a:r>
+              <a:rPr lang="en-IN" dirty="0" smtClean="0"/>
+              <a:t>    </a:t>
+            </a:r>
+            <a:r>
+              <a:rPr lang="en-IN" dirty="0" err="1" smtClean="0"/>
+              <a:t>lntollten</a:t>
+            </a:r>
+            <a:endParaRPr lang="en-IN" dirty="0"/>
+          </a:p>
+          <a:p>
+            <a:pPr algn="just"/>
+            <a:r>
+              <a:rPr lang="en-IN" dirty="0"/>
+              <a:t>    </a:t>
+            </a:r>
+            <a:r>
+              <a:rPr lang="en-IN" dirty="0" err="1"/>
+              <a:t>lnequipmon</a:t>
+            </a:r>
+            <a:endParaRPr lang="en-IN" dirty="0"/>
+          </a:p>
+          <a:p>
+            <a:pPr algn="just"/>
+            <a:r>
+              <a:rPr lang="en-IN" dirty="0"/>
+              <a:t>    </a:t>
+            </a:r>
+            <a:r>
+              <a:rPr lang="en-IN" dirty="0" err="1" smtClean="0"/>
+              <a:t>lnequipten</a:t>
+            </a:r>
+            <a:r>
+              <a:rPr lang="en-IN" dirty="0" smtClean="0"/>
+              <a:t> </a:t>
+            </a:r>
+          </a:p>
+          <a:p>
+            <a:pPr algn="just"/>
+            <a:r>
+              <a:rPr lang="en-IN" dirty="0" smtClean="0"/>
+              <a:t>    </a:t>
+            </a:r>
+            <a:r>
+              <a:rPr lang="en-IN" dirty="0" err="1" smtClean="0"/>
+              <a:t>lncardmon</a:t>
+            </a:r>
+            <a:endParaRPr lang="en-IN" dirty="0"/>
+          </a:p>
+          <a:p>
+            <a:pPr algn="just"/>
+            <a:r>
+              <a:rPr lang="en-IN" dirty="0"/>
+              <a:t>    </a:t>
+            </a:r>
+            <a:r>
+              <a:rPr lang="en-IN" dirty="0" err="1"/>
+              <a:t>lncardten</a:t>
+            </a:r>
+            <a:endParaRPr lang="en-IN" dirty="0"/>
+          </a:p>
+          <a:p>
+            <a:pPr algn="just"/>
+            <a:r>
+              <a:rPr lang="en-IN" dirty="0"/>
+              <a:t>    </a:t>
+            </a:r>
+            <a:r>
+              <a:rPr lang="en-IN" dirty="0" err="1"/>
+              <a:t>lnwiremon</a:t>
+            </a:r>
+            <a:endParaRPr lang="en-IN" dirty="0"/>
+          </a:p>
+          <a:p>
+            <a:pPr algn="ctr"/>
+            <a:r>
+              <a:rPr lang="en-IN" dirty="0"/>
+              <a:t>    </a:t>
+            </a:r>
+          </a:p>
+        </p:txBody>
+      </p:sp>
+      <p:sp>
+        <p:nvSpPr>
+          <p:cNvPr id="7" name="Rectangle 6"/>
+          <p:cNvSpPr/>
+          <p:nvPr/>
+        </p:nvSpPr>
+        <p:spPr>
+          <a:xfrm>
+            <a:off x="7659232" y="2996697"/>
+            <a:ext cx="1575303" cy="2860895"/>
+          </a:xfrm>
+          <a:prstGeom prst="rect">
+            <a:avLst/>
+          </a:prstGeom>
+        </p:spPr>
+        <p:style>
+          <a:lnRef idx="2">
+            <a:schemeClr val="dk1"/>
+          </a:lnRef>
+          <a:fillRef idx="1">
+            <a:schemeClr val="lt1"/>
+          </a:fillRef>
+          <a:effectRef idx="0">
+            <a:schemeClr val="dk1"/>
+          </a:effectRef>
+          <a:fontRef idx="minor">
+            <a:schemeClr val="dk1"/>
+          </a:fontRef>
+        </p:style>
+        <p:txBody>
+          <a:bodyPr rtlCol="0" anchor="ctr"/>
+          <a:lstStyle/>
+          <a:p>
+            <a:pPr algn="ctr"/>
+            <a:endParaRPr lang="en-IN" dirty="0"/>
+          </a:p>
+        </p:txBody>
+      </p:sp>
+      <p:sp>
+        <p:nvSpPr>
+          <p:cNvPr id="8" name="TextBox 7"/>
+          <p:cNvSpPr txBox="1"/>
+          <p:nvPr/>
+        </p:nvSpPr>
+        <p:spPr>
+          <a:xfrm>
+            <a:off x="7780354" y="4061811"/>
+            <a:ext cx="1333057" cy="646331"/>
+          </a:xfrm>
+          <a:prstGeom prst="rect">
+            <a:avLst/>
+          </a:prstGeom>
+          <a:noFill/>
+        </p:spPr>
+        <p:txBody>
+          <a:bodyPr wrap="none" rtlCol="0">
+            <a:spAutoFit/>
+          </a:bodyPr>
+          <a:lstStyle/>
+          <a:p>
+            <a:r>
+              <a:rPr lang="en-IN" dirty="0"/>
+              <a:t>card2tenure</a:t>
+            </a:r>
+          </a:p>
+          <a:p>
+            <a:r>
+              <a:rPr lang="en-IN" dirty="0" err="1" smtClean="0"/>
+              <a:t>longten</a:t>
+            </a:r>
+            <a:endParaRPr lang="en-IN" dirty="0"/>
+          </a:p>
+        </p:txBody>
+      </p:sp>
+      <p:sp>
+        <p:nvSpPr>
+          <p:cNvPr id="9" name="Rectangle 8"/>
+          <p:cNvSpPr/>
+          <p:nvPr/>
+        </p:nvSpPr>
+        <p:spPr>
+          <a:xfrm>
+            <a:off x="9714368" y="2996697"/>
+            <a:ext cx="1267485" cy="2860895"/>
+          </a:xfrm>
+          <a:prstGeom prst="rect">
+            <a:avLst/>
+          </a:prstGeom>
+        </p:spPr>
+        <p:style>
+          <a:lnRef idx="2">
+            <a:schemeClr val="dk1"/>
+          </a:lnRef>
+          <a:fillRef idx="1">
+            <a:schemeClr val="lt1"/>
+          </a:fillRef>
+          <a:effectRef idx="0">
+            <a:schemeClr val="dk1"/>
+          </a:effectRef>
+          <a:fontRef idx="minor">
+            <a:schemeClr val="dk1"/>
+          </a:fontRef>
+        </p:style>
+        <p:txBody>
+          <a:bodyPr rtlCol="0" anchor="ctr"/>
+          <a:lstStyle/>
+          <a:p>
+            <a:pPr algn="ctr"/>
+            <a:endParaRPr lang="en-IN" dirty="0"/>
+          </a:p>
+        </p:txBody>
+      </p:sp>
+      <p:sp>
+        <p:nvSpPr>
+          <p:cNvPr id="10" name="TextBox 9"/>
+          <p:cNvSpPr txBox="1"/>
+          <p:nvPr/>
+        </p:nvSpPr>
+        <p:spPr>
+          <a:xfrm>
+            <a:off x="10004079" y="4200310"/>
+            <a:ext cx="743152" cy="369332"/>
+          </a:xfrm>
+          <a:prstGeom prst="rect">
+            <a:avLst/>
+          </a:prstGeom>
+          <a:noFill/>
+        </p:spPr>
+        <p:txBody>
+          <a:bodyPr wrap="none" rtlCol="0">
+            <a:spAutoFit/>
+          </a:bodyPr>
+          <a:lstStyle/>
+          <a:p>
+            <a:r>
+              <a:rPr lang="en-IN" dirty="0" err="1" smtClean="0"/>
+              <a:t>custid</a:t>
+            </a:r>
+            <a:endParaRPr lang="en-IN" dirty="0"/>
+          </a:p>
+        </p:txBody>
+      </p:sp>
     </p:spTree>
     <p:extLst>
       <p:ext uri="{BB962C8B-B14F-4D97-AF65-F5344CB8AC3E}">
         <p14:creationId xmlns:p14="http://schemas.microsoft.com/office/powerpoint/2010/main" val="1433659699"/>
+      </p:ext>
+    </p:extLst>
+  </p:cSld>
+  <p:clrMapOvr>
+    <a:masterClrMapping/>
+  </p:clrMapOvr>
+</p:sld>
+</file>
+
+<file path=ppt/slides/slide4.xml><?xml version="1.0" encoding="utf-8"?>
+<p:sld xmlns:a="http://schemas.openxmlformats.org/drawingml/2006/main" xmlns:r="http://schemas.openxmlformats.org/officeDocument/2006/relationships" xmlns:p="http://schemas.openxmlformats.org/presentationml/2006/main">
+  <p:cSld>
+    <p:spTree>
+      <p:nvGrpSpPr>
+        <p:cNvPr id="1" name=""/>
+        <p:cNvGrpSpPr/>
+        <p:nvPr/>
+      </p:nvGrpSpPr>
+      <p:grpSpPr>
+        <a:xfrm>
+          <a:off x="0" y="0"/>
+          <a:ext cx="0" cy="0"/>
+          <a:chOff x="0" y="0"/>
+          <a:chExt cx="0" cy="0"/>
+        </a:xfrm>
+      </p:grpSpPr>
+      <p:sp>
+        <p:nvSpPr>
+          <p:cNvPr id="2" name="TextBox 1"/>
+          <p:cNvSpPr txBox="1"/>
+          <p:nvPr/>
+        </p:nvSpPr>
+        <p:spPr>
+          <a:xfrm>
+            <a:off x="986827" y="297919"/>
+            <a:ext cx="10182403" cy="1846659"/>
+          </a:xfrm>
+          <a:prstGeom prst="rect">
+            <a:avLst/>
+          </a:prstGeom>
+          <a:noFill/>
+        </p:spPr>
+        <p:txBody>
+          <a:bodyPr wrap="none" rtlCol="0">
+            <a:spAutoFit/>
+          </a:bodyPr>
+          <a:lstStyle/>
+          <a:p>
+            <a:r>
+              <a:rPr lang="en-IN" sz="2400" b="1" u="sng" dirty="0" smtClean="0"/>
+              <a:t>Distribution:</a:t>
+            </a:r>
+          </a:p>
+          <a:p>
+            <a:endParaRPr lang="en-IN" dirty="0"/>
+          </a:p>
+          <a:p>
+            <a:r>
+              <a:rPr lang="en-IN" dirty="0" smtClean="0"/>
+              <a:t>The Total Spend is not following normal distribution. So, transformation is needed to convert it into normal</a:t>
+            </a:r>
+          </a:p>
+          <a:p>
+            <a:r>
+              <a:rPr lang="en-IN" dirty="0" smtClean="0"/>
+              <a:t> distribution.</a:t>
+            </a:r>
+          </a:p>
+          <a:p>
+            <a:endParaRPr lang="en-IN" dirty="0"/>
+          </a:p>
+          <a:p>
+            <a:endParaRPr lang="en-IN" dirty="0"/>
+          </a:p>
+        </p:txBody>
+      </p:sp>
+      <p:pic>
+        <p:nvPicPr>
+          <p:cNvPr id="3" name="Picture 2"/>
+          <p:cNvPicPr>
+            <a:picLocks noChangeAspect="1"/>
+          </p:cNvPicPr>
+          <p:nvPr/>
+        </p:nvPicPr>
+        <p:blipFill>
+          <a:blip r:embed="rId2"/>
+          <a:stretch>
+            <a:fillRect/>
+          </a:stretch>
+        </p:blipFill>
+        <p:spPr>
+          <a:xfrm>
+            <a:off x="1004462" y="1672062"/>
+            <a:ext cx="4736565" cy="2202821"/>
+          </a:xfrm>
+          <a:prstGeom prst="rect">
+            <a:avLst/>
+          </a:prstGeom>
+        </p:spPr>
+      </p:pic>
+      <p:sp>
+        <p:nvSpPr>
+          <p:cNvPr id="4" name="TextBox 3"/>
+          <p:cNvSpPr txBox="1"/>
+          <p:nvPr/>
+        </p:nvSpPr>
+        <p:spPr>
+          <a:xfrm>
+            <a:off x="1004462" y="3874883"/>
+            <a:ext cx="11251926" cy="369332"/>
+          </a:xfrm>
+          <a:prstGeom prst="rect">
+            <a:avLst/>
+          </a:prstGeom>
+          <a:noFill/>
+        </p:spPr>
+        <p:txBody>
+          <a:bodyPr wrap="none" rtlCol="0">
+            <a:spAutoFit/>
+          </a:bodyPr>
+          <a:lstStyle/>
+          <a:p>
+            <a:r>
+              <a:rPr lang="en-IN" dirty="0" smtClean="0"/>
+              <a:t>On applying log Transformation, </a:t>
+            </a:r>
+            <a:r>
+              <a:rPr lang="en-IN" dirty="0" err="1" smtClean="0"/>
+              <a:t>log_TotalSpend</a:t>
+            </a:r>
+            <a:r>
+              <a:rPr lang="en-IN" dirty="0" smtClean="0"/>
+              <a:t> follows normal distribution. So, </a:t>
+            </a:r>
+            <a:r>
+              <a:rPr lang="en-IN" dirty="0" err="1" smtClean="0"/>
+              <a:t>log_TotalSpend</a:t>
+            </a:r>
+            <a:r>
+              <a:rPr lang="en-IN" dirty="0" smtClean="0"/>
+              <a:t> will be used as Target.</a:t>
+            </a:r>
+            <a:endParaRPr lang="en-IN" dirty="0"/>
+          </a:p>
+        </p:txBody>
+      </p:sp>
+      <p:pic>
+        <p:nvPicPr>
+          <p:cNvPr id="5" name="Picture 4"/>
+          <p:cNvPicPr>
+            <a:picLocks noChangeAspect="1"/>
+          </p:cNvPicPr>
+          <p:nvPr/>
+        </p:nvPicPr>
+        <p:blipFill>
+          <a:blip r:embed="rId3"/>
+          <a:stretch>
+            <a:fillRect/>
+          </a:stretch>
+        </p:blipFill>
+        <p:spPr>
+          <a:xfrm>
+            <a:off x="1317608" y="4454064"/>
+            <a:ext cx="3888136" cy="2302248"/>
+          </a:xfrm>
+          <a:prstGeom prst="rect">
+            <a:avLst/>
+          </a:prstGeom>
+        </p:spPr>
+      </p:pic>
+    </p:spTree>
+    <p:extLst>
+      <p:ext uri="{BB962C8B-B14F-4D97-AF65-F5344CB8AC3E}">
+        <p14:creationId xmlns:p14="http://schemas.microsoft.com/office/powerpoint/2010/main" val="2299301237"/>
+      </p:ext>
+    </p:extLst>
+  </p:cSld>
+  <p:clrMapOvr>
+    <a:masterClrMapping/>
+  </p:clrMapOvr>
+</p:sld>
+</file>
+
+<file path=ppt/slides/slide5.xml><?xml version="1.0" encoding="utf-8"?>
+<p:sld xmlns:a="http://schemas.openxmlformats.org/drawingml/2006/main" xmlns:r="http://schemas.openxmlformats.org/officeDocument/2006/relationships" xmlns:p="http://schemas.openxmlformats.org/presentationml/2006/main">
+  <p:cSld>
+    <p:spTree>
+      <p:nvGrpSpPr>
+        <p:cNvPr id="1" name=""/>
+        <p:cNvGrpSpPr/>
+        <p:nvPr/>
+      </p:nvGrpSpPr>
+      <p:grpSpPr>
+        <a:xfrm>
+          <a:off x="0" y="0"/>
+          <a:ext cx="0" cy="0"/>
+          <a:chOff x="0" y="0"/>
+          <a:chExt cx="0" cy="0"/>
+        </a:xfrm>
+      </p:grpSpPr>
+      <p:sp>
+        <p:nvSpPr>
+          <p:cNvPr id="2" name="TextBox 1"/>
+          <p:cNvSpPr txBox="1"/>
+          <p:nvPr/>
+        </p:nvSpPr>
+        <p:spPr>
+          <a:xfrm>
+            <a:off x="1068309" y="615636"/>
+            <a:ext cx="8381397" cy="6093976"/>
+          </a:xfrm>
+          <a:prstGeom prst="rect">
+            <a:avLst/>
+          </a:prstGeom>
+          <a:noFill/>
+        </p:spPr>
+        <p:txBody>
+          <a:bodyPr wrap="none" rtlCol="0">
+            <a:spAutoFit/>
+          </a:bodyPr>
+          <a:lstStyle/>
+          <a:p>
+            <a:r>
+              <a:rPr lang="en-IN" sz="2400" b="1" u="sng" dirty="0" smtClean="0"/>
+              <a:t>Outlier Treatment:</a:t>
+            </a:r>
+          </a:p>
+          <a:p>
+            <a:endParaRPr lang="en-IN" dirty="0"/>
+          </a:p>
+          <a:p>
+            <a:r>
+              <a:rPr lang="en-IN" dirty="0" smtClean="0"/>
+              <a:t>UC: 0.99 quartile</a:t>
+            </a:r>
+          </a:p>
+          <a:p>
+            <a:r>
+              <a:rPr lang="en-IN" dirty="0" smtClean="0"/>
+              <a:t>LC: 0.01 quartile</a:t>
+            </a:r>
+          </a:p>
+          <a:p>
+            <a:endParaRPr lang="en-IN" dirty="0" smtClean="0"/>
+          </a:p>
+          <a:p>
+            <a:r>
+              <a:rPr lang="en-IN" dirty="0" smtClean="0"/>
+              <a:t>All the points less than LC and greater than UC is considered as an outlier and removed.</a:t>
+            </a:r>
+            <a:endParaRPr lang="en-IN" dirty="0"/>
+          </a:p>
+          <a:p>
+            <a:endParaRPr lang="en-IN" dirty="0" smtClean="0"/>
+          </a:p>
+          <a:p>
+            <a:r>
+              <a:rPr lang="en-IN" sz="2400" b="1" u="sng" dirty="0"/>
+              <a:t>Missing </a:t>
+            </a:r>
+            <a:r>
+              <a:rPr lang="en-IN" sz="2400" b="1" u="sng" dirty="0" smtClean="0"/>
+              <a:t>Treatment:</a:t>
+            </a:r>
+            <a:endParaRPr lang="en-IN" sz="2400" b="1" u="sng" dirty="0"/>
+          </a:p>
+          <a:p>
+            <a:endParaRPr lang="en-IN" dirty="0"/>
+          </a:p>
+          <a:p>
+            <a:r>
+              <a:rPr lang="en-IN" dirty="0"/>
+              <a:t>For numerical variables: Replace the missing values by the </a:t>
+            </a:r>
+            <a:r>
+              <a:rPr lang="en-IN" dirty="0" smtClean="0"/>
+              <a:t>mean of the variable.</a:t>
+            </a:r>
+          </a:p>
+          <a:p>
+            <a:r>
+              <a:rPr lang="en-IN" dirty="0" smtClean="0"/>
+              <a:t>For categorical variables: Replace the missing values by the mode of the variable.</a:t>
+            </a:r>
+          </a:p>
+          <a:p>
+            <a:endParaRPr lang="en-IN" dirty="0"/>
+          </a:p>
+          <a:p>
+            <a:endParaRPr lang="en-IN" dirty="0" smtClean="0"/>
+          </a:p>
+          <a:p>
+            <a:endParaRPr lang="en-IN" dirty="0"/>
+          </a:p>
+          <a:p>
+            <a:endParaRPr lang="en-IN" dirty="0" smtClean="0"/>
+          </a:p>
+          <a:p>
+            <a:endParaRPr lang="en-IN" dirty="0"/>
+          </a:p>
+          <a:p>
+            <a:endParaRPr lang="en-IN" dirty="0" smtClean="0"/>
+          </a:p>
+          <a:p>
+            <a:endParaRPr lang="en-IN" dirty="0"/>
+          </a:p>
+          <a:p>
+            <a:endParaRPr lang="en-IN" dirty="0" smtClean="0"/>
+          </a:p>
+          <a:p>
+            <a:endParaRPr lang="en-IN" dirty="0"/>
+          </a:p>
+          <a:p>
+            <a:endParaRPr lang="en-IN" dirty="0" smtClean="0"/>
+          </a:p>
+        </p:txBody>
+      </p:sp>
+    </p:spTree>
+    <p:extLst>
+      <p:ext uri="{BB962C8B-B14F-4D97-AF65-F5344CB8AC3E}">
+        <p14:creationId xmlns:p14="http://schemas.microsoft.com/office/powerpoint/2010/main" val="3781087155"/>
+      </p:ext>
+    </p:extLst>
+  </p:cSld>
+  <p:clrMapOvr>
+    <a:masterClrMapping/>
+  </p:clrMapOvr>
+</p:sld>
+</file>
+
+<file path=ppt/slides/slide6.xml><?xml version="1.0" encoding="utf-8"?>
+<p:sld xmlns:a="http://schemas.openxmlformats.org/drawingml/2006/main" xmlns:r="http://schemas.openxmlformats.org/officeDocument/2006/relationships" xmlns:p="http://schemas.openxmlformats.org/presentationml/2006/main">
+  <p:cSld>
+    <p:spTree>
+      <p:nvGrpSpPr>
+        <p:cNvPr id="1" name=""/>
+        <p:cNvGrpSpPr/>
+        <p:nvPr/>
+      </p:nvGrpSpPr>
+      <p:grpSpPr>
+        <a:xfrm>
+          <a:off x="0" y="0"/>
+          <a:ext cx="0" cy="0"/>
+          <a:chOff x="0" y="0"/>
+          <a:chExt cx="0" cy="0"/>
+        </a:xfrm>
+      </p:grpSpPr>
+      <p:sp>
+        <p:nvSpPr>
+          <p:cNvPr id="2" name="TextBox 1"/>
+          <p:cNvSpPr txBox="1"/>
+          <p:nvPr/>
+        </p:nvSpPr>
+        <p:spPr>
+          <a:xfrm>
+            <a:off x="869133" y="751438"/>
+            <a:ext cx="11025454" cy="5324535"/>
+          </a:xfrm>
+          <a:prstGeom prst="rect">
+            <a:avLst/>
+          </a:prstGeom>
+          <a:noFill/>
+        </p:spPr>
+        <p:txBody>
+          <a:bodyPr wrap="none" rtlCol="0">
+            <a:spAutoFit/>
+          </a:bodyPr>
+          <a:lstStyle/>
+          <a:p>
+            <a:r>
+              <a:rPr lang="en-IN" sz="2400" b="1" u="sng" dirty="0" smtClean="0"/>
+              <a:t>Feature Engineering:</a:t>
+            </a:r>
+          </a:p>
+          <a:p>
+            <a:endParaRPr lang="en-IN" sz="2400" b="1" u="sng" dirty="0"/>
+          </a:p>
+          <a:p>
+            <a:r>
+              <a:rPr lang="en-IN" sz="2000" b="1" u="sng" dirty="0" smtClean="0"/>
+              <a:t>Variable Reduction:</a:t>
+            </a:r>
+          </a:p>
+          <a:p>
+            <a:endParaRPr lang="en-IN" dirty="0"/>
+          </a:p>
+          <a:p>
+            <a:pPr marL="342900" indent="-342900">
+              <a:buAutoNum type="arabicPeriod"/>
+            </a:pPr>
+            <a:r>
+              <a:rPr lang="en-IN" dirty="0" smtClean="0"/>
+              <a:t>Applied Correlation between numerical variables and </a:t>
+            </a:r>
+            <a:r>
+              <a:rPr lang="en-IN" dirty="0" err="1" smtClean="0"/>
+              <a:t>log_TotalSpend</a:t>
+            </a:r>
+            <a:r>
+              <a:rPr lang="en-IN" dirty="0" smtClean="0"/>
+              <a:t> variable.</a:t>
+            </a:r>
+          </a:p>
+          <a:p>
+            <a:pPr marL="742950" lvl="1" indent="-285750">
+              <a:buFont typeface="Wingdings" panose="05000000000000000000" pitchFamily="2" charset="2"/>
+              <a:buChar char="Ø"/>
+            </a:pPr>
+            <a:r>
+              <a:rPr lang="en-IN" dirty="0"/>
+              <a:t>22 numerical variables have been dropped because of very low value of correlation with the target variable.</a:t>
+            </a:r>
+          </a:p>
+          <a:p>
+            <a:pPr marL="742950" lvl="1" indent="-285750">
+              <a:buFont typeface="Wingdings" panose="05000000000000000000" pitchFamily="2" charset="2"/>
+              <a:buChar char="Ø"/>
+            </a:pPr>
+            <a:r>
+              <a:rPr lang="en-IN" dirty="0"/>
+              <a:t>10 numerical variables have been selected for further model building </a:t>
+            </a:r>
+            <a:r>
+              <a:rPr lang="en-IN" dirty="0" smtClean="0"/>
+              <a:t>processes.</a:t>
+            </a:r>
+          </a:p>
+          <a:p>
+            <a:pPr marL="342900" indent="-342900">
+              <a:buAutoNum type="arabicPeriod" startAt="2"/>
+            </a:pPr>
+            <a:r>
+              <a:rPr lang="en-IN" dirty="0" smtClean="0"/>
+              <a:t>Performed ANOVA between Target and each categorical variables:</a:t>
+            </a:r>
+          </a:p>
+          <a:p>
+            <a:pPr marL="800100" lvl="1" indent="-342900">
+              <a:buFont typeface="Wingdings" panose="05000000000000000000" pitchFamily="2" charset="2"/>
+              <a:buChar char="Ø"/>
+            </a:pPr>
+            <a:r>
+              <a:rPr lang="en-IN" dirty="0" smtClean="0"/>
+              <a:t>34 categorical variables have been dropped because of p value less than 0.05.</a:t>
+            </a:r>
+          </a:p>
+          <a:p>
+            <a:pPr marL="800100" lvl="1" indent="-342900">
+              <a:buFont typeface="Wingdings" panose="05000000000000000000" pitchFamily="2" charset="2"/>
+              <a:buChar char="Ø"/>
+            </a:pPr>
+            <a:r>
+              <a:rPr lang="en-IN" dirty="0" smtClean="0"/>
+              <a:t>37 categorical variables have been chosen for further steps.</a:t>
+            </a:r>
+          </a:p>
+          <a:p>
+            <a:endParaRPr lang="en-IN" dirty="0"/>
+          </a:p>
+          <a:p>
+            <a:r>
+              <a:rPr lang="en-IN" dirty="0" smtClean="0"/>
+              <a:t> </a:t>
+            </a:r>
+            <a:r>
+              <a:rPr lang="en-IN" sz="2000" b="1" u="sng" dirty="0" smtClean="0"/>
+              <a:t>Dummy Variable Creation:</a:t>
+            </a:r>
+          </a:p>
+          <a:p>
+            <a:endParaRPr lang="en-IN" dirty="0" smtClean="0"/>
+          </a:p>
+          <a:p>
+            <a:pPr marL="342900" indent="-342900">
+              <a:buAutoNum type="arabicPeriod"/>
+            </a:pPr>
+            <a:r>
+              <a:rPr lang="en-IN" dirty="0" smtClean="0"/>
+              <a:t>36 categorical variables are one-hot encoded to generate dummy variables.</a:t>
+            </a:r>
+          </a:p>
+          <a:p>
+            <a:pPr marL="342900" indent="-342900">
+              <a:buAutoNum type="arabicPeriod"/>
+            </a:pPr>
+            <a:r>
+              <a:rPr lang="en-IN" dirty="0" smtClean="0"/>
+              <a:t>1 ordinal variable is used as it is.</a:t>
+            </a:r>
+          </a:p>
+          <a:p>
+            <a:pPr marL="800100" lvl="1" indent="-342900">
+              <a:buFont typeface="Wingdings" panose="05000000000000000000" pitchFamily="2" charset="2"/>
+              <a:buChar char="Ø"/>
+            </a:pPr>
+            <a:r>
+              <a:rPr lang="en-IN" dirty="0" smtClean="0"/>
+              <a:t>62 new categorical variables are created using dummy variable creation.</a:t>
+            </a:r>
+          </a:p>
+          <a:p>
+            <a:pPr marL="800100" lvl="1" indent="-342900">
+              <a:buFont typeface="Wingdings" panose="05000000000000000000" pitchFamily="2" charset="2"/>
+              <a:buChar char="Ø"/>
+            </a:pPr>
+            <a:r>
+              <a:rPr lang="en-IN" dirty="0" smtClean="0"/>
+              <a:t>Total 63 categorical variables are chosen for further steps.</a:t>
+            </a:r>
+            <a:endParaRPr lang="en-IN" dirty="0"/>
+          </a:p>
+          <a:p>
+            <a:r>
+              <a:rPr lang="en-IN" dirty="0" smtClean="0"/>
+              <a:t>  </a:t>
+            </a:r>
+            <a:endParaRPr lang="en-IN" dirty="0"/>
+          </a:p>
+        </p:txBody>
+      </p:sp>
+    </p:spTree>
+    <p:extLst>
+      <p:ext uri="{BB962C8B-B14F-4D97-AF65-F5344CB8AC3E}">
+        <p14:creationId xmlns:p14="http://schemas.microsoft.com/office/powerpoint/2010/main" val="4046032214"/>
+      </p:ext>
+    </p:extLst>
+  </p:cSld>
+  <p:clrMapOvr>
+    <a:masterClrMapping/>
+  </p:clrMapOvr>
+</p:sld>
+</file>
+
+<file path=ppt/slides/slide7.xml><?xml version="1.0" encoding="utf-8"?>
+<p:sld xmlns:a="http://schemas.openxmlformats.org/drawingml/2006/main" xmlns:r="http://schemas.openxmlformats.org/officeDocument/2006/relationships" xmlns:p="http://schemas.openxmlformats.org/presentationml/2006/main">
+  <p:cSld>
+    <p:spTree>
+      <p:nvGrpSpPr>
+        <p:cNvPr id="1" name=""/>
+        <p:cNvGrpSpPr/>
+        <p:nvPr/>
+      </p:nvGrpSpPr>
+      <p:grpSpPr>
+        <a:xfrm>
+          <a:off x="0" y="0"/>
+          <a:ext cx="0" cy="0"/>
+          <a:chOff x="0" y="0"/>
+          <a:chExt cx="0" cy="0"/>
+        </a:xfrm>
+      </p:grpSpPr>
+      <p:sp>
+        <p:nvSpPr>
+          <p:cNvPr id="2" name="TextBox 1"/>
+          <p:cNvSpPr txBox="1"/>
+          <p:nvPr/>
+        </p:nvSpPr>
+        <p:spPr>
+          <a:xfrm>
+            <a:off x="1077362" y="760491"/>
+            <a:ext cx="7960256" cy="6093976"/>
+          </a:xfrm>
+          <a:prstGeom prst="rect">
+            <a:avLst/>
+          </a:prstGeom>
+          <a:noFill/>
+        </p:spPr>
+        <p:txBody>
+          <a:bodyPr wrap="none" rtlCol="0">
+            <a:spAutoFit/>
+          </a:bodyPr>
+          <a:lstStyle/>
+          <a:p>
+            <a:r>
+              <a:rPr lang="en-IN" sz="2400" b="1" u="sng" dirty="0" smtClean="0"/>
+              <a:t>Variable Selection:</a:t>
+            </a:r>
+          </a:p>
+          <a:p>
+            <a:endParaRPr lang="en-IN" sz="2400" b="1" u="sng" dirty="0"/>
+          </a:p>
+          <a:p>
+            <a:pPr marL="342900" indent="-342900">
+              <a:buAutoNum type="arabicPeriod"/>
+            </a:pPr>
+            <a:r>
+              <a:rPr lang="en-IN" dirty="0" err="1" smtClean="0"/>
+              <a:t>SelectKBest</a:t>
+            </a:r>
+            <a:endParaRPr lang="en-IN" dirty="0" smtClean="0"/>
+          </a:p>
+          <a:p>
+            <a:pPr marL="800100" lvl="1" indent="-342900">
+              <a:buFont typeface="Wingdings" panose="05000000000000000000" pitchFamily="2" charset="2"/>
+              <a:buChar char="Ø"/>
+            </a:pPr>
+            <a:r>
+              <a:rPr lang="en-IN" dirty="0" smtClean="0"/>
+              <a:t>Selected 15 most important variables from the total 73 variables.</a:t>
+            </a:r>
+          </a:p>
+          <a:p>
+            <a:pPr lvl="1"/>
+            <a:r>
+              <a:rPr lang="en-IN" dirty="0" smtClean="0"/>
+              <a:t> </a:t>
+            </a:r>
+          </a:p>
+          <a:p>
+            <a:pPr marL="342900" indent="-342900">
+              <a:buAutoNum type="arabicPeriod"/>
+            </a:pPr>
+            <a:r>
+              <a:rPr lang="en-IN" dirty="0" smtClean="0"/>
+              <a:t>Recursive Feature Elimination</a:t>
+            </a:r>
+          </a:p>
+          <a:p>
+            <a:pPr marL="800100" lvl="1" indent="-342900">
+              <a:buFont typeface="Wingdings" panose="05000000000000000000" pitchFamily="2" charset="2"/>
+              <a:buChar char="Ø"/>
+            </a:pPr>
+            <a:r>
+              <a:rPr lang="en-IN" dirty="0" smtClean="0"/>
+              <a:t>Selected 15 most important variables from the total 73 variables.</a:t>
+            </a:r>
+          </a:p>
+          <a:p>
+            <a:pPr lvl="1"/>
+            <a:endParaRPr lang="en-IN" dirty="0" smtClean="0"/>
+          </a:p>
+          <a:p>
+            <a:pPr marL="342900" indent="-342900">
+              <a:buAutoNum type="arabicPeriod"/>
+            </a:pPr>
+            <a:r>
+              <a:rPr lang="en-IN" dirty="0" smtClean="0"/>
+              <a:t>F- Regression</a:t>
+            </a:r>
+          </a:p>
+          <a:p>
+            <a:pPr marL="800100" lvl="1" indent="-342900">
+              <a:buFont typeface="Wingdings" panose="05000000000000000000" pitchFamily="2" charset="2"/>
+              <a:buChar char="Ø"/>
+            </a:pPr>
+            <a:r>
+              <a:rPr lang="en-IN" dirty="0" smtClean="0"/>
+              <a:t>Selected most important variables using high F-value.</a:t>
+            </a:r>
+          </a:p>
+          <a:p>
+            <a:pPr lvl="1"/>
+            <a:endParaRPr lang="en-IN" dirty="0" smtClean="0"/>
+          </a:p>
+          <a:p>
+            <a:pPr marL="342900" indent="-342900">
+              <a:buAutoNum type="arabicPeriod"/>
+            </a:pPr>
+            <a:r>
+              <a:rPr lang="en-IN" dirty="0" smtClean="0"/>
+              <a:t>Variation Inflation Factor</a:t>
+            </a:r>
+          </a:p>
+          <a:p>
+            <a:pPr marL="800100" lvl="1" indent="-342900">
+              <a:buFont typeface="Wingdings" panose="05000000000000000000" pitchFamily="2" charset="2"/>
+              <a:buChar char="Ø"/>
+            </a:pPr>
+            <a:r>
+              <a:rPr lang="en-IN" dirty="0"/>
+              <a:t>Consolidated all the selected variables from above 3 steps and applied VIF.</a:t>
+            </a:r>
+          </a:p>
+          <a:p>
+            <a:pPr marL="800100" lvl="1" indent="-342900">
+              <a:buFont typeface="Wingdings" panose="05000000000000000000" pitchFamily="2" charset="2"/>
+              <a:buChar char="Ø"/>
+            </a:pPr>
+            <a:r>
+              <a:rPr lang="en-IN" dirty="0"/>
+              <a:t>Selected top 20 variables with </a:t>
+            </a:r>
+            <a:r>
+              <a:rPr lang="en-IN" dirty="0" err="1"/>
+              <a:t>vif</a:t>
+            </a:r>
+            <a:r>
+              <a:rPr lang="en-IN" dirty="0"/>
+              <a:t> &lt; 5</a:t>
+            </a:r>
+            <a:r>
+              <a:rPr lang="en-IN" dirty="0" smtClean="0"/>
+              <a:t>.</a:t>
+            </a:r>
+          </a:p>
+          <a:p>
+            <a:pPr lvl="1"/>
+            <a:endParaRPr lang="en-IN" dirty="0" smtClean="0"/>
+          </a:p>
+          <a:p>
+            <a:pPr marL="342900" indent="-342900">
+              <a:buAutoNum type="arabicPeriod"/>
+            </a:pPr>
+            <a:r>
+              <a:rPr lang="en-IN" dirty="0" smtClean="0"/>
+              <a:t>Linear Regression</a:t>
+            </a:r>
+          </a:p>
+          <a:p>
+            <a:pPr marL="800100" lvl="1" indent="-342900">
+              <a:buFont typeface="Wingdings" panose="05000000000000000000" pitchFamily="2" charset="2"/>
+              <a:buChar char="Ø"/>
+            </a:pPr>
+            <a:r>
+              <a:rPr lang="en-IN" dirty="0" smtClean="0"/>
+              <a:t>Built a </a:t>
+            </a:r>
+            <a:r>
+              <a:rPr lang="en-IN" dirty="0" err="1" smtClean="0"/>
+              <a:t>ols</a:t>
+            </a:r>
+            <a:r>
+              <a:rPr lang="en-IN" dirty="0" smtClean="0"/>
+              <a:t> regression model.</a:t>
+            </a:r>
+          </a:p>
+          <a:p>
+            <a:pPr marL="800100" lvl="1" indent="-342900">
+              <a:buFont typeface="Wingdings" panose="05000000000000000000" pitchFamily="2" charset="2"/>
+              <a:buChar char="Ø"/>
+            </a:pPr>
+            <a:r>
+              <a:rPr lang="en-IN" dirty="0" smtClean="0"/>
+              <a:t>Removed the least contributing variables based on p value.</a:t>
+            </a:r>
+          </a:p>
+          <a:p>
+            <a:pPr marL="800100" lvl="1" indent="-342900">
+              <a:buFont typeface="Wingdings" panose="05000000000000000000" pitchFamily="2" charset="2"/>
+              <a:buChar char="Ø"/>
+            </a:pPr>
+            <a:r>
+              <a:rPr lang="en-IN" dirty="0" smtClean="0"/>
+              <a:t>Selected 14 variables for the final model building.</a:t>
+            </a:r>
+          </a:p>
+          <a:p>
+            <a:pPr marL="800100" lvl="1" indent="-342900">
+              <a:buAutoNum type="arabicPeriod"/>
+            </a:pPr>
+            <a:endParaRPr lang="en-IN" dirty="0"/>
+          </a:p>
+          <a:p>
+            <a:pPr marL="800100" lvl="1" indent="-342900">
+              <a:buAutoNum type="arabicPeriod"/>
+            </a:pPr>
+            <a:endParaRPr lang="en-IN" dirty="0" smtClean="0"/>
+          </a:p>
+        </p:txBody>
+      </p:sp>
+    </p:spTree>
+    <p:extLst>
+      <p:ext uri="{BB962C8B-B14F-4D97-AF65-F5344CB8AC3E}">
+        <p14:creationId xmlns:p14="http://schemas.microsoft.com/office/powerpoint/2010/main" val="1908384577"/>
+      </p:ext>
+    </p:extLst>
+  </p:cSld>
+  <p:clrMapOvr>
+    <a:masterClrMapping/>
+  </p:clrMapOvr>
+</p:sld>
+</file>
+
+<file path=ppt/slides/slide8.xml><?xml version="1.0" encoding="utf-8"?>
+<p:sld xmlns:a="http://schemas.openxmlformats.org/drawingml/2006/main" xmlns:r="http://schemas.openxmlformats.org/officeDocument/2006/relationships" xmlns:p="http://schemas.openxmlformats.org/presentationml/2006/main">
+  <p:cSld>
+    <p:spTree>
+      <p:nvGrpSpPr>
+        <p:cNvPr id="1" name=""/>
+        <p:cNvGrpSpPr/>
+        <p:nvPr/>
+      </p:nvGrpSpPr>
+      <p:grpSpPr>
+        <a:xfrm>
+          <a:off x="0" y="0"/>
+          <a:ext cx="0" cy="0"/>
+          <a:chOff x="0" y="0"/>
+          <a:chExt cx="0" cy="0"/>
+        </a:xfrm>
+      </p:grpSpPr>
+      <p:sp>
+        <p:nvSpPr>
+          <p:cNvPr id="2" name="TextBox 1"/>
+          <p:cNvSpPr txBox="1"/>
+          <p:nvPr/>
+        </p:nvSpPr>
+        <p:spPr>
+          <a:xfrm>
+            <a:off x="1004935" y="715224"/>
+            <a:ext cx="7920502" cy="5262979"/>
+          </a:xfrm>
+          <a:prstGeom prst="rect">
+            <a:avLst/>
+          </a:prstGeom>
+          <a:noFill/>
+        </p:spPr>
+        <p:txBody>
+          <a:bodyPr wrap="none" rtlCol="0">
+            <a:spAutoFit/>
+          </a:bodyPr>
+          <a:lstStyle/>
+          <a:p>
+            <a:r>
+              <a:rPr lang="en-IN" sz="2400" b="1" u="sng" dirty="0" smtClean="0"/>
+              <a:t>Model pre-requisites/ Model Assumptions:</a:t>
+            </a:r>
+          </a:p>
+          <a:p>
+            <a:endParaRPr lang="en-IN" dirty="0"/>
+          </a:p>
+          <a:p>
+            <a:pPr marL="285750" indent="-285750">
+              <a:buFont typeface="Wingdings" panose="05000000000000000000" pitchFamily="2" charset="2"/>
+              <a:buChar char="Ø"/>
+            </a:pPr>
+            <a:r>
+              <a:rPr lang="en-IN" dirty="0" smtClean="0"/>
+              <a:t> The Target variable (Total Spend) follows normal distribution.</a:t>
+            </a:r>
+          </a:p>
+          <a:p>
+            <a:pPr marL="285750" indent="-285750">
+              <a:buFont typeface="Wingdings" panose="05000000000000000000" pitchFamily="2" charset="2"/>
+              <a:buChar char="Ø"/>
+            </a:pPr>
+            <a:r>
+              <a:rPr lang="en-IN" dirty="0" smtClean="0"/>
+              <a:t> Outliers have been removed.</a:t>
+            </a:r>
+          </a:p>
+          <a:p>
+            <a:pPr marL="285750" indent="-285750">
+              <a:buFont typeface="Wingdings" panose="05000000000000000000" pitchFamily="2" charset="2"/>
+              <a:buChar char="Ø"/>
+            </a:pPr>
+            <a:r>
+              <a:rPr lang="en-IN" dirty="0" smtClean="0"/>
+              <a:t> No missing values in the data.</a:t>
+            </a:r>
+          </a:p>
+          <a:p>
+            <a:pPr marL="285750" indent="-285750">
+              <a:buFont typeface="Wingdings" panose="05000000000000000000" pitchFamily="2" charset="2"/>
+              <a:buChar char="Ø"/>
+            </a:pPr>
+            <a:r>
+              <a:rPr lang="en-IN" dirty="0" smtClean="0"/>
+              <a:t> Categorical variables have been properly encoded.</a:t>
+            </a:r>
+          </a:p>
+          <a:p>
+            <a:pPr marL="285750" indent="-285750">
+              <a:buFont typeface="Wingdings" panose="05000000000000000000" pitchFamily="2" charset="2"/>
+              <a:buChar char="Ø"/>
+            </a:pPr>
+            <a:r>
+              <a:rPr lang="en-IN" dirty="0" smtClean="0"/>
+              <a:t> Selected &lt; 15 variables for final model building based on reduction techniques.</a:t>
+            </a:r>
+          </a:p>
+          <a:p>
+            <a:pPr marL="285750" indent="-285750">
+              <a:buFont typeface="Wingdings" panose="05000000000000000000" pitchFamily="2" charset="2"/>
+              <a:buChar char="Ø"/>
+            </a:pPr>
+            <a:r>
+              <a:rPr lang="en-IN" dirty="0" smtClean="0"/>
+              <a:t> No multi-</a:t>
+            </a:r>
+            <a:r>
+              <a:rPr lang="en-IN" dirty="0" err="1" smtClean="0"/>
+              <a:t>collinearity</a:t>
+            </a:r>
+            <a:r>
+              <a:rPr lang="en-IN" dirty="0" smtClean="0"/>
+              <a:t> between X variables.</a:t>
+            </a:r>
+          </a:p>
+          <a:p>
+            <a:pPr marL="285750" indent="-285750">
+              <a:buFont typeface="Wingdings" panose="05000000000000000000" pitchFamily="2" charset="2"/>
+              <a:buChar char="Ø"/>
+            </a:pPr>
+            <a:endParaRPr lang="en-IN" dirty="0"/>
+          </a:p>
+          <a:p>
+            <a:pPr marL="285750" indent="-285750">
+              <a:buFont typeface="Wingdings" panose="05000000000000000000" pitchFamily="2" charset="2"/>
+              <a:buChar char="Ø"/>
+            </a:pPr>
+            <a:endParaRPr lang="en-IN" dirty="0" smtClean="0"/>
+          </a:p>
+          <a:p>
+            <a:r>
+              <a:rPr lang="en-IN" sz="2400" b="1" u="sng" dirty="0" smtClean="0"/>
+              <a:t>Train and Test split:</a:t>
+            </a:r>
+          </a:p>
+          <a:p>
+            <a:endParaRPr lang="en-IN" dirty="0"/>
+          </a:p>
+          <a:p>
+            <a:r>
+              <a:rPr lang="en-IN" dirty="0" smtClean="0"/>
+              <a:t>Train data = 70 %</a:t>
+            </a:r>
+          </a:p>
+          <a:p>
+            <a:r>
+              <a:rPr lang="en-IN" dirty="0" smtClean="0"/>
+              <a:t>Test data = 30 %</a:t>
+            </a:r>
+          </a:p>
+          <a:p>
+            <a:endParaRPr lang="en-IN" dirty="0"/>
+          </a:p>
+          <a:p>
+            <a:pPr marL="285750" indent="-285750">
+              <a:buFont typeface="Wingdings" panose="05000000000000000000" pitchFamily="2" charset="2"/>
+              <a:buChar char="Ø"/>
+            </a:pPr>
+            <a:r>
+              <a:rPr lang="en-IN" dirty="0" smtClean="0"/>
+              <a:t>Train data will be used to build the model.</a:t>
+            </a:r>
+          </a:p>
+          <a:p>
+            <a:pPr marL="285750" indent="-285750">
+              <a:buFont typeface="Wingdings" panose="05000000000000000000" pitchFamily="2" charset="2"/>
+              <a:buChar char="Ø"/>
+            </a:pPr>
+            <a:r>
+              <a:rPr lang="en-IN" dirty="0" smtClean="0"/>
+              <a:t>Test data will be used to validate the model.</a:t>
+            </a:r>
+          </a:p>
+          <a:p>
+            <a:endParaRPr lang="en-IN" dirty="0"/>
+          </a:p>
+        </p:txBody>
+      </p:sp>
+    </p:spTree>
+    <p:extLst>
+      <p:ext uri="{BB962C8B-B14F-4D97-AF65-F5344CB8AC3E}">
+        <p14:creationId xmlns:p14="http://schemas.microsoft.com/office/powerpoint/2010/main" val="2129757744"/>
+      </p:ext>
+    </p:extLst>
+  </p:cSld>
+  <p:clrMapOvr>
+    <a:masterClrMapping/>
+  </p:clrMapOvr>
+</p:sld>
+</file>
+
+<file path=ppt/slides/slide9.xml><?xml version="1.0" encoding="utf-8"?>
+<p:sld xmlns:a="http://schemas.openxmlformats.org/drawingml/2006/main" xmlns:r="http://schemas.openxmlformats.org/officeDocument/2006/relationships" xmlns:p="http://schemas.openxmlformats.org/presentationml/2006/main">
+  <p:cSld>
+    <p:spTree>
+      <p:nvGrpSpPr>
+        <p:cNvPr id="1" name=""/>
+        <p:cNvGrpSpPr/>
+        <p:nvPr/>
+      </p:nvGrpSpPr>
+      <p:grpSpPr>
+        <a:xfrm>
+          <a:off x="0" y="0"/>
+          <a:ext cx="0" cy="0"/>
+          <a:chOff x="0" y="0"/>
+          <a:chExt cx="0" cy="0"/>
+        </a:xfrm>
+      </p:grpSpPr>
+      <p:sp>
+        <p:nvSpPr>
+          <p:cNvPr id="4" name="TextBox 3"/>
+          <p:cNvSpPr txBox="1"/>
+          <p:nvPr/>
+        </p:nvSpPr>
+        <p:spPr>
+          <a:xfrm>
+            <a:off x="1475715" y="841972"/>
+            <a:ext cx="3225050" cy="1938992"/>
+          </a:xfrm>
+          <a:prstGeom prst="rect">
+            <a:avLst/>
+          </a:prstGeom>
+          <a:noFill/>
+        </p:spPr>
+        <p:txBody>
+          <a:bodyPr wrap="none" rtlCol="0">
+            <a:spAutoFit/>
+          </a:bodyPr>
+          <a:lstStyle/>
+          <a:p>
+            <a:r>
+              <a:rPr lang="en-IN" sz="2400" b="1" u="sng" dirty="0" smtClean="0"/>
+              <a:t>Goodness of fit metrics:</a:t>
+            </a:r>
+          </a:p>
+          <a:p>
+            <a:endParaRPr lang="en-IN" sz="2400" b="1" u="sng" dirty="0"/>
+          </a:p>
+          <a:p>
+            <a:endParaRPr lang="en-IN" sz="2400" b="1" dirty="0" smtClean="0"/>
+          </a:p>
+          <a:p>
+            <a:endParaRPr lang="en-IN" sz="2400" b="1" dirty="0"/>
+          </a:p>
+          <a:p>
+            <a:endParaRPr lang="en-IN" sz="2400" b="1" dirty="0" smtClean="0"/>
+          </a:p>
+        </p:txBody>
+      </p:sp>
+      <p:graphicFrame>
+        <p:nvGraphicFramePr>
+          <p:cNvPr id="7" name="Object 6"/>
+          <p:cNvGraphicFramePr>
+            <a:graphicFrameLocks noChangeAspect="1"/>
+          </p:cNvGraphicFramePr>
+          <p:nvPr>
+            <p:extLst>
+              <p:ext uri="{D42A27DB-BD31-4B8C-83A1-F6EECF244321}">
+                <p14:modId xmlns:p14="http://schemas.microsoft.com/office/powerpoint/2010/main" val="894381632"/>
+              </p:ext>
+            </p:extLst>
+          </p:nvPr>
+        </p:nvGraphicFramePr>
+        <p:xfrm>
+          <a:off x="1559272" y="1695995"/>
+          <a:ext cx="6136174" cy="2169938"/>
+        </p:xfrm>
+        <a:graphic>
+          <a:graphicData uri="http://schemas.openxmlformats.org/presentationml/2006/ole">
+            <mc:AlternateContent xmlns:mc="http://schemas.openxmlformats.org/markup-compatibility/2006">
+              <mc:Choice xmlns:v="urn:schemas-microsoft-com:vml" Requires="v">
+                <p:oleObj spid="_x0000_s1031" name="Worksheet" r:id="rId3" imgW="5524677" imgH="1500943" progId="Excel.Sheet.12">
+                  <p:embed/>
+                </p:oleObj>
+              </mc:Choice>
+              <mc:Fallback>
+                <p:oleObj name="Worksheet" r:id="rId3" imgW="5524677" imgH="1500943" progId="Excel.Sheet.12">
+                  <p:embed/>
+                  <p:pic>
+                    <p:nvPicPr>
+                      <p:cNvPr id="0" name=""/>
+                      <p:cNvPicPr/>
+                      <p:nvPr/>
+                    </p:nvPicPr>
+                    <p:blipFill>
+                      <a:blip r:embed="rId4"/>
+                      <a:stretch>
+                        <a:fillRect/>
+                      </a:stretch>
+                    </p:blipFill>
+                    <p:spPr>
+                      <a:xfrm>
+                        <a:off x="1559272" y="1695995"/>
+                        <a:ext cx="6136174" cy="2169938"/>
+                      </a:xfrm>
+                      <a:prstGeom prst="rect">
+                        <a:avLst/>
+                      </a:prstGeom>
+                    </p:spPr>
+                  </p:pic>
+                </p:oleObj>
+              </mc:Fallback>
+            </mc:AlternateContent>
+          </a:graphicData>
+        </a:graphic>
+      </p:graphicFrame>
+      <p:sp>
+        <p:nvSpPr>
+          <p:cNvPr id="8" name="TextBox 7"/>
+          <p:cNvSpPr txBox="1"/>
+          <p:nvPr/>
+        </p:nvSpPr>
+        <p:spPr>
+          <a:xfrm>
+            <a:off x="1559272" y="4599160"/>
+            <a:ext cx="6381940" cy="646331"/>
+          </a:xfrm>
+          <a:prstGeom prst="rect">
+            <a:avLst/>
+          </a:prstGeom>
+          <a:noFill/>
+        </p:spPr>
+        <p:txBody>
+          <a:bodyPr wrap="none" rtlCol="0">
+            <a:spAutoFit/>
+          </a:bodyPr>
+          <a:lstStyle/>
+          <a:p>
+            <a:r>
+              <a:rPr lang="en-IN" dirty="0" smtClean="0"/>
+              <a:t>Based on the above metrics, </a:t>
+            </a:r>
+            <a:r>
+              <a:rPr lang="en-IN" b="1" dirty="0" smtClean="0"/>
+              <a:t>XGBoost </a:t>
+            </a:r>
+            <a:r>
+              <a:rPr lang="en-IN" b="1" dirty="0" err="1" smtClean="0"/>
+              <a:t>Regressor</a:t>
+            </a:r>
+            <a:r>
+              <a:rPr lang="en-IN" dirty="0" smtClean="0"/>
+              <a:t> is the best model.</a:t>
+            </a:r>
+          </a:p>
+          <a:p>
+            <a:endParaRPr lang="en-IN" dirty="0"/>
+          </a:p>
+        </p:txBody>
+      </p:sp>
+    </p:spTree>
+    <p:extLst>
+      <p:ext uri="{BB962C8B-B14F-4D97-AF65-F5344CB8AC3E}">
+        <p14:creationId xmlns:p14="http://schemas.microsoft.com/office/powerpoint/2010/main" val="3236809386"/>
       </p:ext>
     </p:extLst>
   </p:cSld>
